--- a/Presentation/NLP GROUP PRESENTATION.pptx
+++ b/Presentation/NLP GROUP PRESENTATION.pptx
@@ -5,10 +5,10 @@
     <p:sldMasterId id="2147483648" r:id="rId1"/>
   </p:sldMasterIdLst>
   <p:notesMasterIdLst>
-    <p:notesMasterId r:id="rId16"/>
+    <p:notesMasterId r:id="rId17"/>
   </p:notesMasterIdLst>
   <p:handoutMasterIdLst>
-    <p:handoutMasterId r:id="rId17"/>
+    <p:handoutMasterId r:id="rId18"/>
   </p:handoutMasterIdLst>
   <p:sldIdLst>
     <p:sldId id="256" r:id="rId2"/>
@@ -24,7 +24,8 @@
     <p:sldId id="267" r:id="rId12"/>
     <p:sldId id="268" r:id="rId13"/>
     <p:sldId id="269" r:id="rId14"/>
-    <p:sldId id="265" r:id="rId15"/>
+    <p:sldId id="270" r:id="rId15"/>
+    <p:sldId id="265" r:id="rId16"/>
   </p:sldIdLst>
   <p:sldSz cx="12192000" cy="6858000"/>
   <p:notesSz cx="6858000" cy="9144000"/>
@@ -10155,48 +10156,12 @@
           <a:p>
             <a:r>
               <a:rPr lang="en-US" dirty="0" smtClean="0"/>
-              <a:t>We used NLTK’s decision tree based classifier.</a:t>
-            </a:r>
-          </a:p>
-          <a:p>
-            <a:r>
-              <a:rPr lang="en-US" dirty="0" smtClean="0"/>
-              <a:t>Training data had 120 sentences covering various patterns to mention either of 3 attributes.</a:t>
-            </a:r>
-          </a:p>
-          <a:p>
-            <a:r>
-              <a:rPr lang="en-US" dirty="0" smtClean="0"/>
-              <a:t>Classifier trained with synonyms as well.</a:t>
-            </a:r>
-          </a:p>
-          <a:p>
-            <a:r>
-              <a:rPr lang="en-US" dirty="0" smtClean="0"/>
-              <a:t>Decision tree based classifier produces an 80% accuracy.</a:t>
-            </a:r>
-          </a:p>
-          <a:p>
-            <a:r>
-              <a:rPr lang="en-US" dirty="0" smtClean="0"/>
-              <a:t>The classification based approach recognizes only one attribute from the sentence based on the way it is trained.</a:t>
-            </a:r>
-          </a:p>
-          <a:p>
-            <a:r>
-              <a:rPr lang="en-US" dirty="0" smtClean="0"/>
-              <a:t>Also tried naïve </a:t>
-            </a:r>
-            <a:r>
-              <a:rPr lang="en-US" dirty="0" err="1" smtClean="0"/>
-              <a:t>bayes</a:t>
-            </a:r>
-            <a:r>
-              <a:rPr lang="en-US" dirty="0" smtClean="0"/>
-              <a:t> classifier.</a:t>
-            </a:r>
-          </a:p>
-          <a:p>
+              <a:t>RAKE - Removes</a:t>
+            </a:r>
+            <a:r>
+              <a:rPr lang="en-US" baseline="0" dirty="0" smtClean="0"/>
+              <a:t> stop words and extracts the keywords</a:t>
+            </a:r>
             <a:endParaRPr lang="en-US" dirty="0"/>
           </a:p>
         </p:txBody>
@@ -10241,6 +10206,157 @@
           <a:p>
             <a:fld id="{1CDC49E4-B554-D549-8A10-5FF19677CF14}" type="slidenum">
               <a:rPr lang="en-US" smtClean="0"/>
+              <a:t>5</a:t>
+            </a:fld>
+            <a:endParaRPr lang="en-US"/>
+          </a:p>
+        </p:txBody>
+      </p:sp>
+    </p:spTree>
+    <p:extLst>
+      <p:ext uri="{BB962C8B-B14F-4D97-AF65-F5344CB8AC3E}">
+        <p14:creationId xmlns:p14="http://schemas.microsoft.com/office/powerpoint/2010/main" val="223753228"/>
+      </p:ext>
+    </p:extLst>
+  </p:cSld>
+  <p:clrMapOvr>
+    <a:masterClrMapping/>
+  </p:clrMapOvr>
+</p:notes>
+</file>
+
+<file path=ppt/notesSlides/notesSlide4.xml><?xml version="1.0" encoding="utf-8"?>
+<p:notes xmlns:a="http://schemas.openxmlformats.org/drawingml/2006/main" xmlns:r="http://schemas.openxmlformats.org/officeDocument/2006/relationships" xmlns:p="http://schemas.openxmlformats.org/presentationml/2006/main">
+  <p:cSld>
+    <p:spTree>
+      <p:nvGrpSpPr>
+        <p:cNvPr id="1" name=""/>
+        <p:cNvGrpSpPr/>
+        <p:nvPr/>
+      </p:nvGrpSpPr>
+      <p:grpSpPr>
+        <a:xfrm>
+          <a:off x="0" y="0"/>
+          <a:ext cx="0" cy="0"/>
+          <a:chOff x="0" y="0"/>
+          <a:chExt cx="0" cy="0"/>
+        </a:xfrm>
+      </p:grpSpPr>
+      <p:sp>
+        <p:nvSpPr>
+          <p:cNvPr id="2" name="Slide Image Placeholder 1"/>
+          <p:cNvSpPr>
+            <a:spLocks noGrp="1" noRot="1" noChangeAspect="1"/>
+          </p:cNvSpPr>
+          <p:nvPr>
+            <p:ph type="sldImg"/>
+          </p:nvPr>
+        </p:nvSpPr>
+        <p:spPr/>
+      </p:sp>
+      <p:sp>
+        <p:nvSpPr>
+          <p:cNvPr id="3" name="Notes Placeholder 2"/>
+          <p:cNvSpPr>
+            <a:spLocks noGrp="1"/>
+          </p:cNvSpPr>
+          <p:nvPr>
+            <p:ph type="body" idx="1"/>
+          </p:nvPr>
+        </p:nvSpPr>
+        <p:spPr/>
+        <p:txBody>
+          <a:bodyPr/>
+          <a:lstStyle/>
+          <a:p>
+            <a:r>
+              <a:rPr lang="en-US" dirty="0" smtClean="0"/>
+              <a:t>We used NLTK’s decision tree based classifier.</a:t>
+            </a:r>
+          </a:p>
+          <a:p>
+            <a:r>
+              <a:rPr lang="en-US" dirty="0" smtClean="0"/>
+              <a:t>Training data had 120 sentences covering various patterns to mention either of 3 attributes.</a:t>
+            </a:r>
+          </a:p>
+          <a:p>
+            <a:r>
+              <a:rPr lang="en-US" dirty="0" smtClean="0"/>
+              <a:t>Classifier trained with synonyms as well.</a:t>
+            </a:r>
+          </a:p>
+          <a:p>
+            <a:r>
+              <a:rPr lang="en-US" dirty="0" smtClean="0"/>
+              <a:t>Decision tree based classifier produces an 80% accuracy.</a:t>
+            </a:r>
+          </a:p>
+          <a:p>
+            <a:r>
+              <a:rPr lang="en-US" dirty="0" smtClean="0"/>
+              <a:t>The classification based approach recognizes only one attribute from the sentence based on the way it is trained.</a:t>
+            </a:r>
+          </a:p>
+          <a:p>
+            <a:r>
+              <a:rPr lang="en-US" dirty="0" smtClean="0"/>
+              <a:t>Also tried naïve </a:t>
+            </a:r>
+            <a:r>
+              <a:rPr lang="en-US" dirty="0" err="1" smtClean="0"/>
+              <a:t>bayes</a:t>
+            </a:r>
+            <a:r>
+              <a:rPr lang="en-US" dirty="0" smtClean="0"/>
+              <a:t> classifier.</a:t>
+            </a:r>
+          </a:p>
+          <a:p>
+            <a:endParaRPr lang="en-US" dirty="0"/>
+          </a:p>
+        </p:txBody>
+      </p:sp>
+      <p:sp>
+        <p:nvSpPr>
+          <p:cNvPr id="4" name="Header Placeholder 3"/>
+          <p:cNvSpPr>
+            <a:spLocks noGrp="1"/>
+          </p:cNvSpPr>
+          <p:nvPr>
+            <p:ph type="hdr" sz="quarter" idx="10"/>
+          </p:nvPr>
+        </p:nvSpPr>
+        <p:spPr/>
+        <p:txBody>
+          <a:bodyPr/>
+          <a:lstStyle/>
+          <a:p>
+            <a:r>
+              <a:rPr lang="en-US" smtClean="0"/>
+              <a:t>Group# 28</a:t>
+            </a:r>
+            <a:endParaRPr lang="en-US"/>
+          </a:p>
+        </p:txBody>
+      </p:sp>
+      <p:sp>
+        <p:nvSpPr>
+          <p:cNvPr id="5" name="Slide Number Placeholder 4"/>
+          <p:cNvSpPr>
+            <a:spLocks noGrp="1"/>
+          </p:cNvSpPr>
+          <p:nvPr>
+            <p:ph type="sldNum" sz="quarter" idx="11"/>
+          </p:nvPr>
+        </p:nvSpPr>
+        <p:spPr/>
+        <p:txBody>
+          <a:bodyPr/>
+          <a:lstStyle/>
+          <a:p>
+            <a:fld id="{1CDC49E4-B554-D549-8A10-5FF19677CF14}" type="slidenum">
+              <a:rPr lang="en-US" smtClean="0"/>
               <a:t>6</a:t>
             </a:fld>
             <a:endParaRPr lang="en-US"/>
@@ -10260,7 +10376,7 @@
 </p:notes>
 </file>
 
-<file path=ppt/notesSlides/notesSlide4.xml><?xml version="1.0" encoding="utf-8"?>
+<file path=ppt/notesSlides/notesSlide5.xml><?xml version="1.0" encoding="utf-8"?>
 <p:notes xmlns:a="http://schemas.openxmlformats.org/drawingml/2006/main" xmlns:r="http://schemas.openxmlformats.org/officeDocument/2006/relationships" xmlns:p="http://schemas.openxmlformats.org/presentationml/2006/main">
   <p:cSld>
     <p:spTree>
@@ -13337,13 +13453,6 @@
               <a:rPr lang="en-US" sz="4400" dirty="0" smtClean="0"/>
               <a:t>Database</a:t>
             </a:r>
-            <a:br>
-              <a:rPr lang="en-US" sz="4400" dirty="0" smtClean="0"/>
-            </a:br>
-            <a:r>
-              <a:rPr lang="en-US" sz="4400" dirty="0" smtClean="0"/>
-              <a:t>Restaurant Finder</a:t>
-            </a:r>
             <a:endParaRPr lang="en-US" sz="4400" dirty="0"/>
           </a:p>
         </p:txBody>
@@ -14212,30 +14321,219 @@
             <p:ph type="title"/>
           </p:nvPr>
         </p:nvSpPr>
-        <p:spPr>
-          <a:xfrm>
-            <a:off x="1058333" y="4615392"/>
-            <a:ext cx="10515600" cy="1325563"/>
-          </a:xfrm>
-        </p:spPr>
+        <p:spPr/>
         <p:txBody>
           <a:bodyPr/>
           <a:lstStyle/>
           <a:p>
-            <a:pPr algn="ctr"/>
             <a:r>
               <a:rPr lang="en-US" dirty="0" smtClean="0"/>
-              <a:t>Thank you</a:t>
-            </a:r>
-            <a:r>
-              <a:rPr lang="mr-IN" dirty="0" smtClean="0"/>
-              <a:t>…</a:t>
-            </a:r>
-            <a:r>
-              <a:rPr lang="en-US" dirty="0" smtClean="0"/>
-              <a:t>!!!</a:t>
+              <a:t>References</a:t>
             </a:r>
             <a:endParaRPr lang="en-US" dirty="0"/>
+          </a:p>
+        </p:txBody>
+      </p:sp>
+      <p:sp>
+        <p:nvSpPr>
+          <p:cNvPr id="3" name="Content Placeholder 2"/>
+          <p:cNvSpPr>
+            <a:spLocks noGrp="1"/>
+          </p:cNvSpPr>
+          <p:nvPr>
+            <p:ph idx="1"/>
+          </p:nvPr>
+        </p:nvSpPr>
+        <p:spPr/>
+        <p:txBody>
+          <a:bodyPr/>
+          <a:lstStyle/>
+          <a:p>
+            <a:r>
+              <a:rPr lang="en-US" sz="2000" dirty="0" err="1" smtClean="0"/>
+              <a:t>Paksima</a:t>
+            </a:r>
+            <a:r>
+              <a:rPr lang="en-US" sz="2000" dirty="0" smtClean="0"/>
+              <a:t>, </a:t>
+            </a:r>
+            <a:r>
+              <a:rPr lang="en-US" sz="2000" dirty="0" err="1" smtClean="0"/>
+              <a:t>Taghi</a:t>
+            </a:r>
+            <a:r>
+              <a:rPr lang="en-US" sz="2000" dirty="0" smtClean="0"/>
+              <a:t>, </a:t>
+            </a:r>
+            <a:r>
+              <a:rPr lang="en-US" sz="2000" dirty="0" err="1" smtClean="0"/>
+              <a:t>Kallirroi</a:t>
+            </a:r>
+            <a:r>
+              <a:rPr lang="en-US" sz="2000" dirty="0" smtClean="0"/>
+              <a:t> </a:t>
+            </a:r>
+            <a:r>
+              <a:rPr lang="en-US" sz="2000" dirty="0" err="1" smtClean="0"/>
+              <a:t>Georgila</a:t>
+            </a:r>
+            <a:r>
+              <a:rPr lang="en-US" sz="2000" dirty="0" smtClean="0"/>
+              <a:t>, </a:t>
+            </a:r>
+            <a:r>
+              <a:rPr lang="en-US" sz="2000" dirty="0"/>
+              <a:t>and </a:t>
+            </a:r>
+            <a:r>
+              <a:rPr lang="en-US" sz="2000" dirty="0" smtClean="0"/>
+              <a:t>Johanna D. Moore. </a:t>
+            </a:r>
+            <a:r>
+              <a:rPr lang="en-US" sz="2000" dirty="0"/>
+              <a:t>"Evaluating the effectiveness of information presentation in a full end-to-end dialogue system." </a:t>
+            </a:r>
+            <a:r>
+              <a:rPr lang="en-US" sz="2000" dirty="0" smtClean="0"/>
+              <a:t>Proceedings of the SIGDIAL </a:t>
+            </a:r>
+            <a:r>
+              <a:rPr lang="en-US" sz="2000" dirty="0"/>
+              <a:t>2009 </a:t>
+            </a:r>
+            <a:r>
+              <a:rPr lang="en-US" sz="2000" dirty="0" smtClean="0"/>
+              <a:t>Conference: The </a:t>
+            </a:r>
+            <a:r>
+              <a:rPr lang="en-US" sz="2000" dirty="0"/>
+              <a:t>10</a:t>
+            </a:r>
+            <a:r>
+              <a:rPr lang="en-US" sz="2000" dirty="0" smtClean="0"/>
+              <a:t>th Annual Meeting of the Special Interest Group on Discourse </a:t>
+            </a:r>
+            <a:r>
+              <a:rPr lang="en-US" sz="2000" dirty="0"/>
+              <a:t>and </a:t>
+            </a:r>
+            <a:r>
+              <a:rPr lang="en-US" sz="2000" dirty="0" smtClean="0"/>
+              <a:t>Dialogue. Association </a:t>
+            </a:r>
+            <a:r>
+              <a:rPr lang="en-US" sz="2000" dirty="0"/>
+              <a:t>for </a:t>
+            </a:r>
+            <a:r>
+              <a:rPr lang="en-US" sz="2000" dirty="0" smtClean="0"/>
+              <a:t>Computational Linguistics, 2009 - </a:t>
+            </a:r>
+            <a:r>
+              <a:rPr lang="en-US" sz="2000" u="sng" dirty="0">
+                <a:hlinkClick r:id="rId2"/>
+              </a:rPr>
+              <a:t>http://people.ict.usc.edu/~</a:t>
+            </a:r>
+            <a:r>
+              <a:rPr lang="en-US" sz="2000" u="sng" dirty="0" smtClean="0">
+                <a:hlinkClick r:id="rId2"/>
+              </a:rPr>
+              <a:t>kgeorgila/publications/paksima_sigdial09.pdf</a:t>
+            </a:r>
+            <a:endParaRPr lang="en-US" sz="2000" u="sng" dirty="0" smtClean="0"/>
+          </a:p>
+          <a:p>
+            <a:r>
+              <a:rPr lang="en-US" sz="2000" dirty="0" smtClean="0"/>
+              <a:t>RAKE - </a:t>
+            </a:r>
+            <a:r>
+              <a:rPr lang="en-US" sz="2000" u="sng" dirty="0">
+                <a:hlinkClick r:id="rId3"/>
+              </a:rPr>
+              <a:t>https://</a:t>
+            </a:r>
+            <a:r>
+              <a:rPr lang="en-US" sz="2000" u="sng" dirty="0" err="1" smtClean="0">
+                <a:hlinkClick r:id="rId3"/>
+              </a:rPr>
+              <a:t>github.com</a:t>
+            </a:r>
+            <a:r>
+              <a:rPr lang="en-US" sz="2000" u="sng" dirty="0" smtClean="0">
+                <a:hlinkClick r:id="rId3"/>
+              </a:rPr>
+              <a:t>/</a:t>
+            </a:r>
+            <a:r>
+              <a:rPr lang="en-US" sz="2000" u="sng" dirty="0" err="1" smtClean="0">
+                <a:hlinkClick r:id="rId3"/>
+              </a:rPr>
+              <a:t>fabianvf</a:t>
+            </a:r>
+            <a:r>
+              <a:rPr lang="en-US" sz="2000" u="sng" dirty="0" smtClean="0">
+                <a:hlinkClick r:id="rId3"/>
+              </a:rPr>
+              <a:t>/python-rake</a:t>
+            </a:r>
+            <a:endParaRPr lang="en-US" sz="2000" dirty="0" smtClean="0"/>
+          </a:p>
+          <a:p>
+            <a:r>
+              <a:rPr lang="en-US" sz="2000" dirty="0" smtClean="0"/>
+              <a:t>Classification </a:t>
+            </a:r>
+            <a:r>
+              <a:rPr lang="en-US" sz="2000" dirty="0"/>
+              <a:t>based </a:t>
+            </a:r>
+            <a:r>
+              <a:rPr lang="en-US" sz="2000" dirty="0" smtClean="0"/>
+              <a:t>NLU - </a:t>
+            </a:r>
+            <a:r>
+              <a:rPr lang="en-US" sz="2000" u="sng" dirty="0" smtClean="0">
+                <a:hlinkClick r:id="rId4"/>
+              </a:rPr>
+              <a:t>http://www.nltk.org/book/ch06.html</a:t>
+            </a:r>
+            <a:endParaRPr lang="en-US" sz="2000" u="sng" dirty="0" smtClean="0"/>
+          </a:p>
+          <a:p>
+            <a:r>
+              <a:rPr lang="en-US" sz="2000" dirty="0" smtClean="0"/>
+              <a:t>Speech Recognizer and synthesizer - </a:t>
+            </a:r>
+            <a:r>
+              <a:rPr lang="en-US" sz="2000" u="sng" dirty="0">
+                <a:hlinkClick r:id="rId5"/>
+              </a:rPr>
+              <a:t>https://</a:t>
+            </a:r>
+            <a:r>
+              <a:rPr lang="en-US" sz="2000" u="sng" dirty="0" smtClean="0">
+                <a:hlinkClick r:id="rId5"/>
+              </a:rPr>
+              <a:t>developers.google.com</a:t>
+            </a:r>
+            <a:r>
+              <a:rPr lang="en-US" sz="2000" u="sng" smtClean="0">
+                <a:hlinkClick r:id="rId5"/>
+              </a:rPr>
+              <a:t>/web/updates/2013/01/Voice-Driven-Web-Apps-Introduction-to-the-Web-Speech-API</a:t>
+            </a:r>
+            <a:endParaRPr lang="en-US" sz="2000" u="sng"/>
+          </a:p>
+          <a:p>
+            <a:endParaRPr lang="en-US" sz="2000" dirty="0"/>
+          </a:p>
+          <a:p>
+            <a:endParaRPr lang="en-US" sz="2000" dirty="0" smtClean="0"/>
+          </a:p>
+          <a:p>
+            <a:endParaRPr lang="en-US" sz="2000" dirty="0" smtClean="0"/>
           </a:p>
         </p:txBody>
       </p:sp>
@@ -14280,6 +14578,126 @@
             <a:fld id="{1C8A6B9A-D30D-3042-B85B-A6E38B06A64B}" type="slidenum">
               <a:rPr lang="en-US" smtClean="0"/>
               <a:t>14</a:t>
+            </a:fld>
+            <a:endParaRPr lang="en-US"/>
+          </a:p>
+        </p:txBody>
+      </p:sp>
+    </p:spTree>
+    <p:extLst>
+      <p:ext uri="{BB962C8B-B14F-4D97-AF65-F5344CB8AC3E}">
+        <p14:creationId xmlns:p14="http://schemas.microsoft.com/office/powerpoint/2010/main" val="344058613"/>
+      </p:ext>
+    </p:extLst>
+  </p:cSld>
+  <p:clrMapOvr>
+    <a:masterClrMapping/>
+  </p:clrMapOvr>
+  <p:timing>
+    <p:tnLst>
+      <p:par>
+        <p:cTn id="1" dur="indefinite" restart="never" nodeType="tmRoot"/>
+      </p:par>
+    </p:tnLst>
+  </p:timing>
+</p:sld>
+</file>
+
+<file path=ppt/slides/slide15.xml><?xml version="1.0" encoding="utf-8"?>
+<p:sld xmlns:a="http://schemas.openxmlformats.org/drawingml/2006/main" xmlns:r="http://schemas.openxmlformats.org/officeDocument/2006/relationships" xmlns:p="http://schemas.openxmlformats.org/presentationml/2006/main">
+  <p:cSld>
+    <p:spTree>
+      <p:nvGrpSpPr>
+        <p:cNvPr id="1" name=""/>
+        <p:cNvGrpSpPr/>
+        <p:nvPr/>
+      </p:nvGrpSpPr>
+      <p:grpSpPr>
+        <a:xfrm>
+          <a:off x="0" y="0"/>
+          <a:ext cx="0" cy="0"/>
+          <a:chOff x="0" y="0"/>
+          <a:chExt cx="0" cy="0"/>
+        </a:xfrm>
+      </p:grpSpPr>
+      <p:sp>
+        <p:nvSpPr>
+          <p:cNvPr id="2" name="Title 1"/>
+          <p:cNvSpPr>
+            <a:spLocks noGrp="1"/>
+          </p:cNvSpPr>
+          <p:nvPr>
+            <p:ph type="title"/>
+          </p:nvPr>
+        </p:nvSpPr>
+        <p:spPr>
+          <a:xfrm>
+            <a:off x="1058333" y="4615392"/>
+            <a:ext cx="10515600" cy="1325563"/>
+          </a:xfrm>
+        </p:spPr>
+        <p:txBody>
+          <a:bodyPr/>
+          <a:lstStyle/>
+          <a:p>
+            <a:pPr algn="ctr"/>
+            <a:r>
+              <a:rPr lang="en-US" dirty="0" smtClean="0"/>
+              <a:t>Thank you</a:t>
+            </a:r>
+            <a:r>
+              <a:rPr lang="mr-IN" dirty="0" smtClean="0"/>
+              <a:t>…</a:t>
+            </a:r>
+            <a:r>
+              <a:rPr lang="en-US" dirty="0" smtClean="0"/>
+              <a:t>!!!</a:t>
+            </a:r>
+            <a:endParaRPr lang="en-US" dirty="0"/>
+          </a:p>
+        </p:txBody>
+      </p:sp>
+      <p:sp>
+        <p:nvSpPr>
+          <p:cNvPr id="4" name="Footer Placeholder 3"/>
+          <p:cNvSpPr>
+            <a:spLocks noGrp="1"/>
+          </p:cNvSpPr>
+          <p:nvPr>
+            <p:ph type="ftr" sz="quarter" idx="11"/>
+          </p:nvPr>
+        </p:nvSpPr>
+        <p:spPr/>
+        <p:txBody>
+          <a:bodyPr/>
+          <a:lstStyle/>
+          <a:p>
+            <a:r>
+              <a:rPr lang="en-US" smtClean="0"/>
+              <a:t>NLP For Querying Database - Restaurant Finder - Group#28</a:t>
+            </a:r>
+            <a:endParaRPr lang="en-US"/>
+          </a:p>
+        </p:txBody>
+      </p:sp>
+      <p:sp>
+        <p:nvSpPr>
+          <p:cNvPr id="5" name="Slide Number Placeholder 4"/>
+          <p:cNvSpPr>
+            <a:spLocks noGrp="1"/>
+          </p:cNvSpPr>
+          <p:nvPr>
+            <p:ph type="sldNum" sz="quarter" idx="12"/>
+          </p:nvPr>
+        </p:nvSpPr>
+        <p:spPr/>
+        <p:txBody>
+          <a:bodyPr/>
+          <a:lstStyle/>
+          <a:p>
+            <a:fld id="{1C8A6B9A-D30D-3042-B85B-A6E38B06A64B}" type="slidenum">
+              <a:rPr lang="en-US" smtClean="0"/>
+              <a:t>15</a:t>
             </a:fld>
             <a:endParaRPr lang="en-US"/>
           </a:p>
@@ -14391,7 +14809,12 @@
             <p:ph idx="1"/>
           </p:nvPr>
         </p:nvSpPr>
-        <p:spPr/>
+        <p:spPr>
+          <a:xfrm>
+            <a:off x="838200" y="1930135"/>
+            <a:ext cx="10515600" cy="4246828"/>
+          </a:xfrm>
+        </p:spPr>
         <p:txBody>
           <a:bodyPr/>
           <a:lstStyle/>
@@ -14399,23 +14822,25 @@
             <a:pPr fontAlgn="base"/>
             <a:r>
               <a:rPr lang="en-US" dirty="0" smtClean="0"/>
-              <a:t>Natural language to interact with the user.</a:t>
+              <a:t>Processing natural language to interact with system to find restaurants</a:t>
             </a:r>
           </a:p>
           <a:p>
             <a:pPr fontAlgn="base"/>
             <a:r>
               <a:rPr lang="en-US" dirty="0" smtClean="0"/>
-              <a:t>Voice and text based interface.</a:t>
-            </a:r>
-            <a:endParaRPr lang="en-US" dirty="0"/>
+              <a:t>Full end to end dialogue system</a:t>
+            </a:r>
           </a:p>
           <a:p>
             <a:pPr fontAlgn="base"/>
             <a:r>
               <a:rPr lang="en-US" dirty="0" smtClean="0"/>
-              <a:t>Trade off with user preferences.</a:t>
-            </a:r>
+              <a:t>Trade off with user preferences</a:t>
+            </a:r>
+          </a:p>
+          <a:p>
+            <a:pPr fontAlgn="base"/>
             <a:endParaRPr lang="en-US" dirty="0"/>
           </a:p>
         </p:txBody>
@@ -14748,7 +15173,7 @@
           <a:p>
             <a:r>
               <a:rPr lang="en-US" dirty="0" smtClean="0"/>
-              <a:t>System searches for information in the restaurant domain.</a:t>
+              <a:t>System searches for information in the restaurant domain</a:t>
             </a:r>
           </a:p>
           <a:p>
@@ -15730,7 +16155,7 @@
           </p:nvPr>
         </p:nvPicPr>
         <p:blipFill>
-          <a:blip r:embed="rId2">
+          <a:blip r:embed="rId3">
             <a:extLst>
               <a:ext uri="{28A0092B-C50C-407E-A947-70E740481C1C}">
                 <a14:useLocalDpi xmlns:a14="http://schemas.microsoft.com/office/drawing/2010/main" val="0"/>
@@ -15988,13 +16413,13 @@
           <a:p>
             <a:r>
               <a:rPr lang="en-US" dirty="0" smtClean="0"/>
-              <a:t>Considered the synonyms as well</a:t>
+              <a:t>Synonyms replaced with keywords</a:t>
             </a:r>
           </a:p>
           <a:p>
             <a:r>
               <a:rPr lang="en-US" dirty="0" smtClean="0"/>
-              <a:t>Used RAKE for keyword extraction</a:t>
+              <a:t>Rapid Automatic Keyword Extraction [RAKE] for keyword extraction</a:t>
             </a:r>
           </a:p>
           <a:p>
@@ -16890,10 +17315,10 @@
         </p:nvGrpSpPr>
         <p:grpSpPr>
           <a:xfrm>
-            <a:off x="478365" y="2669858"/>
-            <a:ext cx="2767614" cy="1493925"/>
-            <a:chOff x="1202266" y="2689933"/>
-            <a:chExt cx="2767614" cy="1493925"/>
+            <a:off x="478365" y="2670083"/>
+            <a:ext cx="2967041" cy="1493700"/>
+            <a:chOff x="1202266" y="2690158"/>
+            <a:chExt cx="2967041" cy="1493700"/>
           </a:xfrm>
         </p:grpSpPr>
         <p:pic>
@@ -16934,8 +17359,8 @@
           </p:nvSpPr>
           <p:spPr>
             <a:xfrm>
-              <a:off x="2323112" y="2689933"/>
-              <a:ext cx="1646768" cy="646331"/>
+              <a:off x="2322512" y="2690158"/>
+              <a:ext cx="1846795" cy="646331"/>
             </a:xfrm>
             <a:prstGeom prst="rect">
               <a:avLst/>
@@ -16949,8 +17374,16 @@
             <a:lstStyle/>
             <a:p>
               <a:r>
+                <a:rPr lang="en-US" smtClean="0"/>
+                <a:t>“Some </a:t>
+              </a:r>
+              <a:r>
                 <a:rPr lang="en-US" dirty="0" smtClean="0"/>
-                <a:t>Some fine dine places please</a:t>
+                <a:t>fine dine </a:t>
+              </a:r>
+              <a:r>
+                <a:rPr lang="en-US" smtClean="0"/>
+                <a:t>places please”</a:t>
               </a:r>
               <a:endParaRPr lang="en-US" dirty="0"/>
             </a:p>
@@ -17373,166 +17806,6 @@
       </p:grpSp>
       <p:sp>
         <p:nvSpPr>
-          <p:cNvPr id="28" name="Left-Right Arrow 27"/>
-          <p:cNvSpPr/>
-          <p:nvPr/>
-        </p:nvSpPr>
-        <p:spPr>
-          <a:xfrm rot="20134365">
-            <a:off x="5643493" y="2401307"/>
-            <a:ext cx="1839979" cy="674679"/>
-          </a:xfrm>
-          <a:prstGeom prst="leftRightArrow">
-            <a:avLst/>
-          </a:prstGeom>
-        </p:spPr>
-        <p:style>
-          <a:lnRef idx="2">
-            <a:schemeClr val="accent1">
-              <a:shade val="50000"/>
-            </a:schemeClr>
-          </a:lnRef>
-          <a:fillRef idx="1">
-            <a:schemeClr val="accent1"/>
-          </a:fillRef>
-          <a:effectRef idx="0">
-            <a:schemeClr val="accent1"/>
-          </a:effectRef>
-          <a:fontRef idx="minor">
-            <a:schemeClr val="lt1"/>
-          </a:fontRef>
-        </p:style>
-        <p:txBody>
-          <a:bodyPr rtlCol="0" anchor="ctr"/>
-          <a:lstStyle/>
-          <a:p>
-            <a:pPr algn="ctr"/>
-            <a:endParaRPr lang="en-US"/>
-          </a:p>
-        </p:txBody>
-      </p:sp>
-      <p:sp>
-        <p:nvSpPr>
-          <p:cNvPr id="29" name="Left-Right Arrow 28"/>
-          <p:cNvSpPr/>
-          <p:nvPr/>
-        </p:nvSpPr>
-        <p:spPr>
-          <a:xfrm>
-            <a:off x="5727703" y="3481095"/>
-            <a:ext cx="3097735" cy="674679"/>
-          </a:xfrm>
-          <a:prstGeom prst="leftRightArrow">
-            <a:avLst/>
-          </a:prstGeom>
-        </p:spPr>
-        <p:style>
-          <a:lnRef idx="2">
-            <a:schemeClr val="accent1">
-              <a:shade val="50000"/>
-            </a:schemeClr>
-          </a:lnRef>
-          <a:fillRef idx="1">
-            <a:schemeClr val="accent1"/>
-          </a:fillRef>
-          <a:effectRef idx="0">
-            <a:schemeClr val="accent1"/>
-          </a:effectRef>
-          <a:fontRef idx="minor">
-            <a:schemeClr val="lt1"/>
-          </a:fontRef>
-        </p:style>
-        <p:txBody>
-          <a:bodyPr rtlCol="0" anchor="ctr"/>
-          <a:lstStyle/>
-          <a:p>
-            <a:pPr algn="ctr"/>
-            <a:endParaRPr lang="en-US"/>
-          </a:p>
-        </p:txBody>
-      </p:sp>
-      <p:sp>
-        <p:nvSpPr>
-          <p:cNvPr id="30" name="Left-Right Arrow 29"/>
-          <p:cNvSpPr/>
-          <p:nvPr/>
-        </p:nvSpPr>
-        <p:spPr>
-          <a:xfrm rot="2457061">
-            <a:off x="5447491" y="4890334"/>
-            <a:ext cx="2098829" cy="674679"/>
-          </a:xfrm>
-          <a:prstGeom prst="leftRightArrow">
-            <a:avLst/>
-          </a:prstGeom>
-        </p:spPr>
-        <p:style>
-          <a:lnRef idx="2">
-            <a:schemeClr val="accent1">
-              <a:shade val="50000"/>
-            </a:schemeClr>
-          </a:lnRef>
-          <a:fillRef idx="1">
-            <a:schemeClr val="accent1"/>
-          </a:fillRef>
-          <a:effectRef idx="0">
-            <a:schemeClr val="accent1"/>
-          </a:effectRef>
-          <a:fontRef idx="minor">
-            <a:schemeClr val="lt1"/>
-          </a:fontRef>
-        </p:style>
-        <p:txBody>
-          <a:bodyPr rtlCol="0" anchor="ctr"/>
-          <a:lstStyle/>
-          <a:p>
-            <a:pPr algn="ctr"/>
-            <a:endParaRPr lang="en-US"/>
-          </a:p>
-        </p:txBody>
-      </p:sp>
-      <p:sp>
-        <p:nvSpPr>
-          <p:cNvPr id="31" name="Left-Right Arrow 30"/>
-          <p:cNvSpPr/>
-          <p:nvPr/>
-        </p:nvSpPr>
-        <p:spPr>
-          <a:xfrm>
-            <a:off x="1599211" y="3281387"/>
-            <a:ext cx="1686454" cy="674679"/>
-          </a:xfrm>
-          <a:prstGeom prst="leftRightArrow">
-            <a:avLst/>
-          </a:prstGeom>
-        </p:spPr>
-        <p:style>
-          <a:lnRef idx="2">
-            <a:schemeClr val="accent1">
-              <a:shade val="50000"/>
-            </a:schemeClr>
-          </a:lnRef>
-          <a:fillRef idx="1">
-            <a:schemeClr val="accent1"/>
-          </a:fillRef>
-          <a:effectRef idx="0">
-            <a:schemeClr val="accent1"/>
-          </a:effectRef>
-          <a:fontRef idx="minor">
-            <a:schemeClr val="lt1"/>
-          </a:fontRef>
-        </p:style>
-        <p:txBody>
-          <a:bodyPr rtlCol="0" anchor="ctr"/>
-          <a:lstStyle/>
-          <a:p>
-            <a:pPr algn="ctr"/>
-            <a:endParaRPr lang="en-US"/>
-          </a:p>
-        </p:txBody>
-      </p:sp>
-      <p:sp>
-        <p:nvSpPr>
           <p:cNvPr id="32" name="Rectangle 31"/>
           <p:cNvSpPr/>
           <p:nvPr/>
@@ -17874,6 +18147,326 @@
           </a:p>
         </p:txBody>
       </p:sp>
+      <p:sp>
+        <p:nvSpPr>
+          <p:cNvPr id="40" name="Right Arrow 39"/>
+          <p:cNvSpPr/>
+          <p:nvPr/>
+        </p:nvSpPr>
+        <p:spPr>
+          <a:xfrm>
+            <a:off x="1846792" y="3316414"/>
+            <a:ext cx="1152566" cy="244100"/>
+          </a:xfrm>
+          <a:prstGeom prst="rightArrow">
+            <a:avLst/>
+          </a:prstGeom>
+        </p:spPr>
+        <p:style>
+          <a:lnRef idx="2">
+            <a:schemeClr val="accent1">
+              <a:shade val="50000"/>
+            </a:schemeClr>
+          </a:lnRef>
+          <a:fillRef idx="1">
+            <a:schemeClr val="accent1"/>
+          </a:fillRef>
+          <a:effectRef idx="0">
+            <a:schemeClr val="accent1"/>
+          </a:effectRef>
+          <a:fontRef idx="minor">
+            <a:schemeClr val="lt1"/>
+          </a:fontRef>
+        </p:style>
+        <p:txBody>
+          <a:bodyPr rtlCol="0" anchor="ctr"/>
+          <a:lstStyle/>
+          <a:p>
+            <a:pPr algn="ctr"/>
+            <a:endParaRPr lang="en-US"/>
+          </a:p>
+        </p:txBody>
+      </p:sp>
+      <p:sp>
+        <p:nvSpPr>
+          <p:cNvPr id="41" name="Right Arrow 40"/>
+          <p:cNvSpPr/>
+          <p:nvPr/>
+        </p:nvSpPr>
+        <p:spPr>
+          <a:xfrm rot="10800000">
+            <a:off x="1846792" y="3625914"/>
+            <a:ext cx="1152566" cy="244100"/>
+          </a:xfrm>
+          <a:prstGeom prst="rightArrow">
+            <a:avLst/>
+          </a:prstGeom>
+        </p:spPr>
+        <p:style>
+          <a:lnRef idx="2">
+            <a:schemeClr val="accent1">
+              <a:shade val="50000"/>
+            </a:schemeClr>
+          </a:lnRef>
+          <a:fillRef idx="1">
+            <a:schemeClr val="accent1"/>
+          </a:fillRef>
+          <a:effectRef idx="0">
+            <a:schemeClr val="accent1"/>
+          </a:effectRef>
+          <a:fontRef idx="minor">
+            <a:schemeClr val="lt1"/>
+          </a:fontRef>
+        </p:style>
+        <p:txBody>
+          <a:bodyPr rtlCol="0" anchor="ctr"/>
+          <a:lstStyle/>
+          <a:p>
+            <a:pPr algn="ctr"/>
+            <a:endParaRPr lang="en-US"/>
+          </a:p>
+        </p:txBody>
+      </p:sp>
+      <p:sp>
+        <p:nvSpPr>
+          <p:cNvPr id="42" name="Right Arrow 41"/>
+          <p:cNvSpPr/>
+          <p:nvPr/>
+        </p:nvSpPr>
+        <p:spPr>
+          <a:xfrm rot="19723401">
+            <a:off x="5640800" y="2344275"/>
+            <a:ext cx="1898331" cy="244100"/>
+          </a:xfrm>
+          <a:prstGeom prst="rightArrow">
+            <a:avLst/>
+          </a:prstGeom>
+        </p:spPr>
+        <p:style>
+          <a:lnRef idx="2">
+            <a:schemeClr val="accent1">
+              <a:shade val="50000"/>
+            </a:schemeClr>
+          </a:lnRef>
+          <a:fillRef idx="1">
+            <a:schemeClr val="accent1"/>
+          </a:fillRef>
+          <a:effectRef idx="0">
+            <a:schemeClr val="accent1"/>
+          </a:effectRef>
+          <a:fontRef idx="minor">
+            <a:schemeClr val="lt1"/>
+          </a:fontRef>
+        </p:style>
+        <p:txBody>
+          <a:bodyPr rtlCol="0" anchor="ctr"/>
+          <a:lstStyle/>
+          <a:p>
+            <a:pPr algn="ctr"/>
+            <a:endParaRPr lang="en-US"/>
+          </a:p>
+        </p:txBody>
+      </p:sp>
+      <p:sp>
+        <p:nvSpPr>
+          <p:cNvPr id="43" name="Right Arrow 42"/>
+          <p:cNvSpPr/>
+          <p:nvPr/>
+        </p:nvSpPr>
+        <p:spPr>
+          <a:xfrm rot="8941583">
+            <a:off x="5687618" y="2702529"/>
+            <a:ext cx="1898331" cy="244100"/>
+          </a:xfrm>
+          <a:prstGeom prst="rightArrow">
+            <a:avLst/>
+          </a:prstGeom>
+        </p:spPr>
+        <p:style>
+          <a:lnRef idx="2">
+            <a:schemeClr val="accent1">
+              <a:shade val="50000"/>
+            </a:schemeClr>
+          </a:lnRef>
+          <a:fillRef idx="1">
+            <a:schemeClr val="accent1"/>
+          </a:fillRef>
+          <a:effectRef idx="0">
+            <a:schemeClr val="accent1"/>
+          </a:effectRef>
+          <a:fontRef idx="minor">
+            <a:schemeClr val="lt1"/>
+          </a:fontRef>
+        </p:style>
+        <p:txBody>
+          <a:bodyPr rtlCol="0" anchor="ctr"/>
+          <a:lstStyle/>
+          <a:p>
+            <a:pPr algn="ctr"/>
+            <a:endParaRPr lang="en-US"/>
+          </a:p>
+        </p:txBody>
+      </p:sp>
+      <p:sp>
+        <p:nvSpPr>
+          <p:cNvPr id="44" name="Right Arrow 43"/>
+          <p:cNvSpPr/>
+          <p:nvPr/>
+        </p:nvSpPr>
+        <p:spPr>
+          <a:xfrm>
+            <a:off x="5878875" y="3552980"/>
+            <a:ext cx="2922416" cy="244100"/>
+          </a:xfrm>
+          <a:prstGeom prst="rightArrow">
+            <a:avLst/>
+          </a:prstGeom>
+        </p:spPr>
+        <p:style>
+          <a:lnRef idx="2">
+            <a:schemeClr val="accent1">
+              <a:shade val="50000"/>
+            </a:schemeClr>
+          </a:lnRef>
+          <a:fillRef idx="1">
+            <a:schemeClr val="accent1"/>
+          </a:fillRef>
+          <a:effectRef idx="0">
+            <a:schemeClr val="accent1"/>
+          </a:effectRef>
+          <a:fontRef idx="minor">
+            <a:schemeClr val="lt1"/>
+          </a:fontRef>
+        </p:style>
+        <p:txBody>
+          <a:bodyPr rtlCol="0" anchor="ctr"/>
+          <a:lstStyle/>
+          <a:p>
+            <a:pPr algn="ctr"/>
+            <a:endParaRPr lang="en-US"/>
+          </a:p>
+        </p:txBody>
+      </p:sp>
+      <p:sp>
+        <p:nvSpPr>
+          <p:cNvPr id="45" name="Right Arrow 44"/>
+          <p:cNvSpPr/>
+          <p:nvPr/>
+        </p:nvSpPr>
+        <p:spPr>
+          <a:xfrm rot="10800000">
+            <a:off x="5886449" y="3854277"/>
+            <a:ext cx="2927350" cy="244100"/>
+          </a:xfrm>
+          <a:prstGeom prst="rightArrow">
+            <a:avLst/>
+          </a:prstGeom>
+        </p:spPr>
+        <p:style>
+          <a:lnRef idx="2">
+            <a:schemeClr val="accent1">
+              <a:shade val="50000"/>
+            </a:schemeClr>
+          </a:lnRef>
+          <a:fillRef idx="1">
+            <a:schemeClr val="accent1"/>
+          </a:fillRef>
+          <a:effectRef idx="0">
+            <a:schemeClr val="accent1"/>
+          </a:effectRef>
+          <a:fontRef idx="minor">
+            <a:schemeClr val="lt1"/>
+          </a:fontRef>
+        </p:style>
+        <p:txBody>
+          <a:bodyPr rtlCol="0" anchor="ctr"/>
+          <a:lstStyle/>
+          <a:p>
+            <a:pPr algn="ctr"/>
+            <a:endParaRPr lang="en-US"/>
+          </a:p>
+        </p:txBody>
+      </p:sp>
+      <p:sp>
+        <p:nvSpPr>
+          <p:cNvPr id="46" name="Right Arrow 45"/>
+          <p:cNvSpPr/>
+          <p:nvPr/>
+        </p:nvSpPr>
+        <p:spPr>
+          <a:xfrm rot="2322915">
+            <a:off x="5580796" y="4947793"/>
+            <a:ext cx="1898331" cy="244100"/>
+          </a:xfrm>
+          <a:prstGeom prst="rightArrow">
+            <a:avLst/>
+          </a:prstGeom>
+        </p:spPr>
+        <p:style>
+          <a:lnRef idx="2">
+            <a:schemeClr val="accent1">
+              <a:shade val="50000"/>
+            </a:schemeClr>
+          </a:lnRef>
+          <a:fillRef idx="1">
+            <a:schemeClr val="accent1"/>
+          </a:fillRef>
+          <a:effectRef idx="0">
+            <a:schemeClr val="accent1"/>
+          </a:effectRef>
+          <a:fontRef idx="minor">
+            <a:schemeClr val="lt1"/>
+          </a:fontRef>
+        </p:style>
+        <p:txBody>
+          <a:bodyPr rtlCol="0" anchor="ctr"/>
+          <a:lstStyle/>
+          <a:p>
+            <a:pPr algn="ctr"/>
+            <a:endParaRPr lang="en-US"/>
+          </a:p>
+        </p:txBody>
+      </p:sp>
+      <p:sp>
+        <p:nvSpPr>
+          <p:cNvPr id="47" name="Right Arrow 46"/>
+          <p:cNvSpPr/>
+          <p:nvPr/>
+        </p:nvSpPr>
+        <p:spPr>
+          <a:xfrm rot="13141097">
+            <a:off x="5356719" y="5156910"/>
+            <a:ext cx="1898331" cy="244100"/>
+          </a:xfrm>
+          <a:prstGeom prst="rightArrow">
+            <a:avLst/>
+          </a:prstGeom>
+        </p:spPr>
+        <p:style>
+          <a:lnRef idx="2">
+            <a:schemeClr val="accent1">
+              <a:shade val="50000"/>
+            </a:schemeClr>
+          </a:lnRef>
+          <a:fillRef idx="1">
+            <a:schemeClr val="accent1"/>
+          </a:fillRef>
+          <a:effectRef idx="0">
+            <a:schemeClr val="accent1"/>
+          </a:effectRef>
+          <a:fontRef idx="minor">
+            <a:schemeClr val="lt1"/>
+          </a:fontRef>
+        </p:style>
+        <p:txBody>
+          <a:bodyPr rtlCol="0" anchor="ctr"/>
+          <a:lstStyle/>
+          <a:p>
+            <a:pPr algn="ctr"/>
+            <a:endParaRPr lang="en-US"/>
+          </a:p>
+        </p:txBody>
+      </p:sp>
     </p:spTree>
     <p:extLst>
       <p:ext uri="{BB962C8B-B14F-4D97-AF65-F5344CB8AC3E}">
@@ -17887,9 +18480,697 @@
   <p:timing>
     <p:tnLst>
       <p:par>
-        <p:cTn id="1" dur="indefinite" restart="never" nodeType="tmRoot"/>
+        <p:cTn id="1" dur="indefinite" restart="never" nodeType="tmRoot">
+          <p:childTnLst>
+            <p:seq concurrent="1" nextAc="seek">
+              <p:cTn id="2" dur="indefinite" nodeType="mainSeq">
+                <p:childTnLst>
+                  <p:par>
+                    <p:cTn id="3" fill="hold">
+                      <p:stCondLst>
+                        <p:cond delay="indefinite"/>
+                      </p:stCondLst>
+                      <p:childTnLst>
+                        <p:par>
+                          <p:cTn id="4" fill="hold">
+                            <p:stCondLst>
+                              <p:cond delay="0"/>
+                            </p:stCondLst>
+                            <p:childTnLst>
+                              <p:par>
+                                <p:cTn id="5" presetID="1" presetClass="entr" presetSubtype="0" fill="hold" nodeType="clickEffect">
+                                  <p:stCondLst>
+                                    <p:cond delay="0"/>
+                                  </p:stCondLst>
+                                  <p:childTnLst>
+                                    <p:set>
+                                      <p:cBhvr>
+                                        <p:cTn id="6" dur="1" fill="hold">
+                                          <p:stCondLst>
+                                            <p:cond delay="0"/>
+                                          </p:stCondLst>
+                                        </p:cTn>
+                                        <p:tgtEl>
+                                          <p:spTgt spid="18"/>
+                                        </p:tgtEl>
+                                        <p:attrNameLst>
+                                          <p:attrName>style.visibility</p:attrName>
+                                        </p:attrNameLst>
+                                      </p:cBhvr>
+                                      <p:to>
+                                        <p:strVal val="visible"/>
+                                      </p:to>
+                                    </p:set>
+                                  </p:childTnLst>
+                                </p:cTn>
+                              </p:par>
+                              <p:par>
+                                <p:cTn id="7" presetID="1" presetClass="entr" presetSubtype="0" fill="hold" grpId="0" nodeType="withEffect">
+                                  <p:stCondLst>
+                                    <p:cond delay="0"/>
+                                  </p:stCondLst>
+                                  <p:childTnLst>
+                                    <p:set>
+                                      <p:cBhvr>
+                                        <p:cTn id="8" dur="1" fill="hold">
+                                          <p:stCondLst>
+                                            <p:cond delay="0"/>
+                                          </p:stCondLst>
+                                        </p:cTn>
+                                        <p:tgtEl>
+                                          <p:spTgt spid="40"/>
+                                        </p:tgtEl>
+                                        <p:attrNameLst>
+                                          <p:attrName>style.visibility</p:attrName>
+                                        </p:attrNameLst>
+                                      </p:cBhvr>
+                                      <p:to>
+                                        <p:strVal val="visible"/>
+                                      </p:to>
+                                    </p:set>
+                                  </p:childTnLst>
+                                </p:cTn>
+                              </p:par>
+                            </p:childTnLst>
+                          </p:cTn>
+                        </p:par>
+                      </p:childTnLst>
+                    </p:cTn>
+                  </p:par>
+                  <p:par>
+                    <p:cTn id="9" fill="hold">
+                      <p:stCondLst>
+                        <p:cond delay="indefinite"/>
+                      </p:stCondLst>
+                      <p:childTnLst>
+                        <p:par>
+                          <p:cTn id="10" fill="hold">
+                            <p:stCondLst>
+                              <p:cond delay="0"/>
+                            </p:stCondLst>
+                            <p:childTnLst>
+                              <p:par>
+                                <p:cTn id="11" presetID="1" presetClass="entr" presetSubtype="0" fill="hold" nodeType="clickEffect">
+                                  <p:stCondLst>
+                                    <p:cond delay="0"/>
+                                  </p:stCondLst>
+                                  <p:childTnLst>
+                                    <p:set>
+                                      <p:cBhvr>
+                                        <p:cTn id="12" dur="1" fill="hold">
+                                          <p:stCondLst>
+                                            <p:cond delay="0"/>
+                                          </p:stCondLst>
+                                        </p:cTn>
+                                        <p:tgtEl>
+                                          <p:spTgt spid="20"/>
+                                        </p:tgtEl>
+                                        <p:attrNameLst>
+                                          <p:attrName>style.visibility</p:attrName>
+                                        </p:attrNameLst>
+                                      </p:cBhvr>
+                                      <p:to>
+                                        <p:strVal val="visible"/>
+                                      </p:to>
+                                    </p:set>
+                                  </p:childTnLst>
+                                </p:cTn>
+                              </p:par>
+                            </p:childTnLst>
+                          </p:cTn>
+                        </p:par>
+                      </p:childTnLst>
+                    </p:cTn>
+                  </p:par>
+                  <p:par>
+                    <p:cTn id="13" fill="hold">
+                      <p:stCondLst>
+                        <p:cond delay="indefinite"/>
+                      </p:stCondLst>
+                      <p:childTnLst>
+                        <p:par>
+                          <p:cTn id="14" fill="hold">
+                            <p:stCondLst>
+                              <p:cond delay="0"/>
+                            </p:stCondLst>
+                            <p:childTnLst>
+                              <p:par>
+                                <p:cTn id="15" presetID="1" presetClass="entr" presetSubtype="0" fill="hold" grpId="0" nodeType="clickEffect">
+                                  <p:stCondLst>
+                                    <p:cond delay="0"/>
+                                  </p:stCondLst>
+                                  <p:childTnLst>
+                                    <p:set>
+                                      <p:cBhvr>
+                                        <p:cTn id="16" dur="1" fill="hold">
+                                          <p:stCondLst>
+                                            <p:cond delay="0"/>
+                                          </p:stCondLst>
+                                        </p:cTn>
+                                        <p:tgtEl>
+                                          <p:spTgt spid="32"/>
+                                        </p:tgtEl>
+                                        <p:attrNameLst>
+                                          <p:attrName>style.visibility</p:attrName>
+                                        </p:attrNameLst>
+                                      </p:cBhvr>
+                                      <p:to>
+                                        <p:strVal val="visible"/>
+                                      </p:to>
+                                    </p:set>
+                                  </p:childTnLst>
+                                </p:cTn>
+                              </p:par>
+                              <p:par>
+                                <p:cTn id="17" presetID="1" presetClass="entr" presetSubtype="0" fill="hold" grpId="0" nodeType="withEffect">
+                                  <p:stCondLst>
+                                    <p:cond delay="0"/>
+                                  </p:stCondLst>
+                                  <p:childTnLst>
+                                    <p:set>
+                                      <p:cBhvr>
+                                        <p:cTn id="18" dur="1" fill="hold">
+                                          <p:stCondLst>
+                                            <p:cond delay="0"/>
+                                          </p:stCondLst>
+                                        </p:cTn>
+                                        <p:tgtEl>
+                                          <p:spTgt spid="42"/>
+                                        </p:tgtEl>
+                                        <p:attrNameLst>
+                                          <p:attrName>style.visibility</p:attrName>
+                                        </p:attrNameLst>
+                                      </p:cBhvr>
+                                      <p:to>
+                                        <p:strVal val="visible"/>
+                                      </p:to>
+                                    </p:set>
+                                  </p:childTnLst>
+                                </p:cTn>
+                              </p:par>
+                              <p:par>
+                                <p:cTn id="19" presetID="1" presetClass="entr" presetSubtype="0" fill="hold" nodeType="withEffect">
+                                  <p:stCondLst>
+                                    <p:cond delay="0"/>
+                                  </p:stCondLst>
+                                  <p:childTnLst>
+                                    <p:set>
+                                      <p:cBhvr>
+                                        <p:cTn id="20" dur="1" fill="hold">
+                                          <p:stCondLst>
+                                            <p:cond delay="0"/>
+                                          </p:stCondLst>
+                                        </p:cTn>
+                                        <p:tgtEl>
+                                          <p:spTgt spid="17"/>
+                                        </p:tgtEl>
+                                        <p:attrNameLst>
+                                          <p:attrName>style.visibility</p:attrName>
+                                        </p:attrNameLst>
+                                      </p:cBhvr>
+                                      <p:to>
+                                        <p:strVal val="visible"/>
+                                      </p:to>
+                                    </p:set>
+                                  </p:childTnLst>
+                                </p:cTn>
+                              </p:par>
+                            </p:childTnLst>
+                          </p:cTn>
+                        </p:par>
+                      </p:childTnLst>
+                    </p:cTn>
+                  </p:par>
+                  <p:par>
+                    <p:cTn id="21" fill="hold">
+                      <p:stCondLst>
+                        <p:cond delay="indefinite"/>
+                      </p:stCondLst>
+                      <p:childTnLst>
+                        <p:par>
+                          <p:cTn id="22" fill="hold">
+                            <p:stCondLst>
+                              <p:cond delay="0"/>
+                            </p:stCondLst>
+                            <p:childTnLst>
+                              <p:par>
+                                <p:cTn id="23" presetID="1" presetClass="entr" presetSubtype="0" fill="hold" grpId="0" nodeType="clickEffect">
+                                  <p:stCondLst>
+                                    <p:cond delay="0"/>
+                                  </p:stCondLst>
+                                  <p:childTnLst>
+                                    <p:set>
+                                      <p:cBhvr>
+                                        <p:cTn id="24" dur="1" fill="hold">
+                                          <p:stCondLst>
+                                            <p:cond delay="0"/>
+                                          </p:stCondLst>
+                                        </p:cTn>
+                                        <p:tgtEl>
+                                          <p:spTgt spid="35"/>
+                                        </p:tgtEl>
+                                        <p:attrNameLst>
+                                          <p:attrName>style.visibility</p:attrName>
+                                        </p:attrNameLst>
+                                      </p:cBhvr>
+                                      <p:to>
+                                        <p:strVal val="visible"/>
+                                      </p:to>
+                                    </p:set>
+                                  </p:childTnLst>
+                                </p:cTn>
+                              </p:par>
+                              <p:par>
+                                <p:cTn id="25" presetID="1" presetClass="entr" presetSubtype="0" fill="hold" grpId="0" nodeType="withEffect">
+                                  <p:stCondLst>
+                                    <p:cond delay="0"/>
+                                  </p:stCondLst>
+                                  <p:childTnLst>
+                                    <p:set>
+                                      <p:cBhvr>
+                                        <p:cTn id="26" dur="1" fill="hold">
+                                          <p:stCondLst>
+                                            <p:cond delay="0"/>
+                                          </p:stCondLst>
+                                        </p:cTn>
+                                        <p:tgtEl>
+                                          <p:spTgt spid="43"/>
+                                        </p:tgtEl>
+                                        <p:attrNameLst>
+                                          <p:attrName>style.visibility</p:attrName>
+                                        </p:attrNameLst>
+                                      </p:cBhvr>
+                                      <p:to>
+                                        <p:strVal val="visible"/>
+                                      </p:to>
+                                    </p:set>
+                                  </p:childTnLst>
+                                </p:cTn>
+                              </p:par>
+                              <p:par>
+                                <p:cTn id="27" presetID="1" presetClass="entr" presetSubtype="0" fill="hold" grpId="0" nodeType="withEffect">
+                                  <p:stCondLst>
+                                    <p:cond delay="0"/>
+                                  </p:stCondLst>
+                                  <p:childTnLst>
+                                    <p:set>
+                                      <p:cBhvr>
+                                        <p:cTn id="28" dur="1" fill="hold">
+                                          <p:stCondLst>
+                                            <p:cond delay="0"/>
+                                          </p:stCondLst>
+                                        </p:cTn>
+                                        <p:tgtEl>
+                                          <p:spTgt spid="36"/>
+                                        </p:tgtEl>
+                                        <p:attrNameLst>
+                                          <p:attrName>style.visibility</p:attrName>
+                                        </p:attrNameLst>
+                                      </p:cBhvr>
+                                      <p:to>
+                                        <p:strVal val="visible"/>
+                                      </p:to>
+                                    </p:set>
+                                  </p:childTnLst>
+                                </p:cTn>
+                              </p:par>
+                              <p:par>
+                                <p:cTn id="29" presetID="1" presetClass="entr" presetSubtype="0" fill="hold" grpId="0" nodeType="withEffect">
+                                  <p:stCondLst>
+                                    <p:cond delay="0"/>
+                                  </p:stCondLst>
+                                  <p:childTnLst>
+                                    <p:set>
+                                      <p:cBhvr>
+                                        <p:cTn id="30" dur="1" fill="hold">
+                                          <p:stCondLst>
+                                            <p:cond delay="0"/>
+                                          </p:stCondLst>
+                                        </p:cTn>
+                                        <p:tgtEl>
+                                          <p:spTgt spid="44"/>
+                                        </p:tgtEl>
+                                        <p:attrNameLst>
+                                          <p:attrName>style.visibility</p:attrName>
+                                        </p:attrNameLst>
+                                      </p:cBhvr>
+                                      <p:to>
+                                        <p:strVal val="visible"/>
+                                      </p:to>
+                                    </p:set>
+                                  </p:childTnLst>
+                                </p:cTn>
+                              </p:par>
+                              <p:par>
+                                <p:cTn id="31" presetID="1" presetClass="entr" presetSubtype="0" fill="hold" nodeType="withEffect">
+                                  <p:stCondLst>
+                                    <p:cond delay="0"/>
+                                  </p:stCondLst>
+                                  <p:childTnLst>
+                                    <p:set>
+                                      <p:cBhvr>
+                                        <p:cTn id="32" dur="1" fill="hold">
+                                          <p:stCondLst>
+                                            <p:cond delay="0"/>
+                                          </p:stCondLst>
+                                        </p:cTn>
+                                        <p:tgtEl>
+                                          <p:spTgt spid="23"/>
+                                        </p:tgtEl>
+                                        <p:attrNameLst>
+                                          <p:attrName>style.visibility</p:attrName>
+                                        </p:attrNameLst>
+                                      </p:cBhvr>
+                                      <p:to>
+                                        <p:strVal val="visible"/>
+                                      </p:to>
+                                    </p:set>
+                                  </p:childTnLst>
+                                </p:cTn>
+                              </p:par>
+                            </p:childTnLst>
+                          </p:cTn>
+                        </p:par>
+                      </p:childTnLst>
+                    </p:cTn>
+                  </p:par>
+                  <p:par>
+                    <p:cTn id="33" fill="hold">
+                      <p:stCondLst>
+                        <p:cond delay="indefinite"/>
+                      </p:stCondLst>
+                      <p:childTnLst>
+                        <p:par>
+                          <p:cTn id="34" fill="hold">
+                            <p:stCondLst>
+                              <p:cond delay="0"/>
+                            </p:stCondLst>
+                            <p:childTnLst>
+                              <p:par>
+                                <p:cTn id="35" presetID="1" presetClass="entr" presetSubtype="0" fill="hold" grpId="0" nodeType="clickEffect">
+                                  <p:stCondLst>
+                                    <p:cond delay="0"/>
+                                  </p:stCondLst>
+                                  <p:childTnLst>
+                                    <p:set>
+                                      <p:cBhvr>
+                                        <p:cTn id="36" dur="1" fill="hold">
+                                          <p:stCondLst>
+                                            <p:cond delay="0"/>
+                                          </p:stCondLst>
+                                        </p:cTn>
+                                        <p:tgtEl>
+                                          <p:spTgt spid="45"/>
+                                        </p:tgtEl>
+                                        <p:attrNameLst>
+                                          <p:attrName>style.visibility</p:attrName>
+                                        </p:attrNameLst>
+                                      </p:cBhvr>
+                                      <p:to>
+                                        <p:strVal val="visible"/>
+                                      </p:to>
+                                    </p:set>
+                                  </p:childTnLst>
+                                </p:cTn>
+                              </p:par>
+                              <p:par>
+                                <p:cTn id="37" presetID="1" presetClass="entr" presetSubtype="0" fill="hold" grpId="0" nodeType="withEffect">
+                                  <p:stCondLst>
+                                    <p:cond delay="0"/>
+                                  </p:stCondLst>
+                                  <p:childTnLst>
+                                    <p:set>
+                                      <p:cBhvr>
+                                        <p:cTn id="38" dur="1" fill="hold">
+                                          <p:stCondLst>
+                                            <p:cond delay="0"/>
+                                          </p:stCondLst>
+                                        </p:cTn>
+                                        <p:tgtEl>
+                                          <p:spTgt spid="46"/>
+                                        </p:tgtEl>
+                                        <p:attrNameLst>
+                                          <p:attrName>style.visibility</p:attrName>
+                                        </p:attrNameLst>
+                                      </p:cBhvr>
+                                      <p:to>
+                                        <p:strVal val="visible"/>
+                                      </p:to>
+                                    </p:set>
+                                  </p:childTnLst>
+                                </p:cTn>
+                              </p:par>
+                              <p:par>
+                                <p:cTn id="39" presetID="1" presetClass="entr" presetSubtype="0" fill="hold" grpId="0" nodeType="withEffect">
+                                  <p:stCondLst>
+                                    <p:cond delay="0"/>
+                                  </p:stCondLst>
+                                  <p:childTnLst>
+                                    <p:set>
+                                      <p:cBhvr>
+                                        <p:cTn id="40" dur="1" fill="hold">
+                                          <p:stCondLst>
+                                            <p:cond delay="0"/>
+                                          </p:stCondLst>
+                                        </p:cTn>
+                                        <p:tgtEl>
+                                          <p:spTgt spid="33"/>
+                                        </p:tgtEl>
+                                        <p:attrNameLst>
+                                          <p:attrName>style.visibility</p:attrName>
+                                        </p:attrNameLst>
+                                      </p:cBhvr>
+                                      <p:to>
+                                        <p:strVal val="visible"/>
+                                      </p:to>
+                                    </p:set>
+                                  </p:childTnLst>
+                                </p:cTn>
+                              </p:par>
+                              <p:par>
+                                <p:cTn id="41" presetID="1" presetClass="entr" presetSubtype="0" fill="hold" nodeType="withEffect">
+                                  <p:stCondLst>
+                                    <p:cond delay="0"/>
+                                  </p:stCondLst>
+                                  <p:childTnLst>
+                                    <p:set>
+                                      <p:cBhvr>
+                                        <p:cTn id="42" dur="1" fill="hold">
+                                          <p:stCondLst>
+                                            <p:cond delay="0"/>
+                                          </p:stCondLst>
+                                        </p:cTn>
+                                        <p:tgtEl>
+                                          <p:spTgt spid="16"/>
+                                        </p:tgtEl>
+                                        <p:attrNameLst>
+                                          <p:attrName>style.visibility</p:attrName>
+                                        </p:attrNameLst>
+                                      </p:cBhvr>
+                                      <p:to>
+                                        <p:strVal val="visible"/>
+                                      </p:to>
+                                    </p:set>
+                                  </p:childTnLst>
+                                </p:cTn>
+                              </p:par>
+                              <p:par>
+                                <p:cTn id="43" presetID="1" presetClass="entr" presetSubtype="0" fill="hold" grpId="0" nodeType="withEffect">
+                                  <p:stCondLst>
+                                    <p:cond delay="0"/>
+                                  </p:stCondLst>
+                                  <p:childTnLst>
+                                    <p:set>
+                                      <p:cBhvr>
+                                        <p:cTn id="44" dur="1" fill="hold">
+                                          <p:stCondLst>
+                                            <p:cond delay="0"/>
+                                          </p:stCondLst>
+                                        </p:cTn>
+                                        <p:tgtEl>
+                                          <p:spTgt spid="37"/>
+                                        </p:tgtEl>
+                                        <p:attrNameLst>
+                                          <p:attrName>style.visibility</p:attrName>
+                                        </p:attrNameLst>
+                                      </p:cBhvr>
+                                      <p:to>
+                                        <p:strVal val="visible"/>
+                                      </p:to>
+                                    </p:set>
+                                  </p:childTnLst>
+                                </p:cTn>
+                              </p:par>
+                            </p:childTnLst>
+                          </p:cTn>
+                        </p:par>
+                      </p:childTnLst>
+                    </p:cTn>
+                  </p:par>
+                  <p:par>
+                    <p:cTn id="45" fill="hold">
+                      <p:stCondLst>
+                        <p:cond delay="indefinite"/>
+                      </p:stCondLst>
+                      <p:childTnLst>
+                        <p:par>
+                          <p:cTn id="46" fill="hold">
+                            <p:stCondLst>
+                              <p:cond delay="0"/>
+                            </p:stCondLst>
+                            <p:childTnLst>
+                              <p:par>
+                                <p:cTn id="47" presetID="1" presetClass="entr" presetSubtype="0" fill="hold" grpId="0" nodeType="clickEffect">
+                                  <p:stCondLst>
+                                    <p:cond delay="0"/>
+                                  </p:stCondLst>
+                                  <p:childTnLst>
+                                    <p:set>
+                                      <p:cBhvr>
+                                        <p:cTn id="48" dur="1" fill="hold">
+                                          <p:stCondLst>
+                                            <p:cond delay="0"/>
+                                          </p:stCondLst>
+                                        </p:cTn>
+                                        <p:tgtEl>
+                                          <p:spTgt spid="47"/>
+                                        </p:tgtEl>
+                                        <p:attrNameLst>
+                                          <p:attrName>style.visibility</p:attrName>
+                                        </p:attrNameLst>
+                                      </p:cBhvr>
+                                      <p:to>
+                                        <p:strVal val="visible"/>
+                                      </p:to>
+                                    </p:set>
+                                  </p:childTnLst>
+                                </p:cTn>
+                              </p:par>
+                              <p:par>
+                                <p:cTn id="49" presetID="1" presetClass="entr" presetSubtype="0" fill="hold" grpId="0" nodeType="withEffect">
+                                  <p:stCondLst>
+                                    <p:cond delay="0"/>
+                                  </p:stCondLst>
+                                  <p:childTnLst>
+                                    <p:set>
+                                      <p:cBhvr>
+                                        <p:cTn id="50" dur="1" fill="hold">
+                                          <p:stCondLst>
+                                            <p:cond delay="0"/>
+                                          </p:stCondLst>
+                                        </p:cTn>
+                                        <p:tgtEl>
+                                          <p:spTgt spid="39"/>
+                                        </p:tgtEl>
+                                        <p:attrNameLst>
+                                          <p:attrName>style.visibility</p:attrName>
+                                        </p:attrNameLst>
+                                      </p:cBhvr>
+                                      <p:to>
+                                        <p:strVal val="visible"/>
+                                      </p:to>
+                                    </p:set>
+                                  </p:childTnLst>
+                                </p:cTn>
+                              </p:par>
+                              <p:par>
+                                <p:cTn id="51" presetID="1" presetClass="entr" presetSubtype="0" fill="hold" grpId="0" nodeType="withEffect">
+                                  <p:stCondLst>
+                                    <p:cond delay="0"/>
+                                  </p:stCondLst>
+                                  <p:childTnLst>
+                                    <p:set>
+                                      <p:cBhvr>
+                                        <p:cTn id="52" dur="1" fill="hold">
+                                          <p:stCondLst>
+                                            <p:cond delay="0"/>
+                                          </p:stCondLst>
+                                        </p:cTn>
+                                        <p:tgtEl>
+                                          <p:spTgt spid="41"/>
+                                        </p:tgtEl>
+                                        <p:attrNameLst>
+                                          <p:attrName>style.visibility</p:attrName>
+                                        </p:attrNameLst>
+                                      </p:cBhvr>
+                                      <p:to>
+                                        <p:strVal val="visible"/>
+                                      </p:to>
+                                    </p:set>
+                                  </p:childTnLst>
+                                </p:cTn>
+                              </p:par>
+                              <p:par>
+                                <p:cTn id="53" presetID="1" presetClass="entr" presetSubtype="0" fill="hold" grpId="0" nodeType="withEffect">
+                                  <p:stCondLst>
+                                    <p:cond delay="0"/>
+                                  </p:stCondLst>
+                                  <p:childTnLst>
+                                    <p:set>
+                                      <p:cBhvr>
+                                        <p:cTn id="54" dur="1" fill="hold">
+                                          <p:stCondLst>
+                                            <p:cond delay="0"/>
+                                          </p:stCondLst>
+                                        </p:cTn>
+                                        <p:tgtEl>
+                                          <p:spTgt spid="38"/>
+                                        </p:tgtEl>
+                                        <p:attrNameLst>
+                                          <p:attrName>style.visibility</p:attrName>
+                                        </p:attrNameLst>
+                                      </p:cBhvr>
+                                      <p:to>
+                                        <p:strVal val="visible"/>
+                                      </p:to>
+                                    </p:set>
+                                  </p:childTnLst>
+                                </p:cTn>
+                              </p:par>
+                            </p:childTnLst>
+                          </p:cTn>
+                        </p:par>
+                      </p:childTnLst>
+                    </p:cTn>
+                  </p:par>
+                </p:childTnLst>
+              </p:cTn>
+              <p:prevCondLst>
+                <p:cond evt="onPrev" delay="0">
+                  <p:tgtEl>
+                    <p:sldTgt/>
+                  </p:tgtEl>
+                </p:cond>
+              </p:prevCondLst>
+              <p:nextCondLst>
+                <p:cond evt="onNext" delay="0">
+                  <p:tgtEl>
+                    <p:sldTgt/>
+                  </p:tgtEl>
+                </p:cond>
+              </p:nextCondLst>
+            </p:seq>
+          </p:childTnLst>
+        </p:cTn>
       </p:par>
     </p:tnLst>
+    <p:bldLst>
+      <p:bldP spid="32" grpId="0"/>
+      <p:bldP spid="33" grpId="0"/>
+      <p:bldP spid="35" grpId="0"/>
+      <p:bldP spid="36" grpId="0"/>
+      <p:bldP spid="37" grpId="0"/>
+      <p:bldP spid="38" grpId="0"/>
+      <p:bldP spid="39" grpId="0"/>
+      <p:bldP spid="40" grpId="0" animBg="1"/>
+      <p:bldP spid="41" grpId="0" animBg="1"/>
+      <p:bldP spid="42" grpId="0" animBg="1"/>
+      <p:bldP spid="43" grpId="0" animBg="1"/>
+      <p:bldP spid="44" grpId="0" animBg="1"/>
+      <p:bldP spid="45" grpId="0" animBg="1"/>
+      <p:bldP spid="46" grpId="0" animBg="1"/>
+      <p:bldP spid="47" grpId="0" animBg="1"/>
+    </p:bldLst>
   </p:timing>
 </p:sld>
 </file>
@@ -17987,7 +19268,7 @@
             <a:pPr lvl="1"/>
             <a:r>
               <a:rPr lang="en-US" dirty="0" smtClean="0"/>
-              <a:t>informing user about searched results and trade offs</a:t>
+              <a:t>informing user about searched and trade off results</a:t>
             </a:r>
           </a:p>
           <a:p>
